--- a/report.pptx
+++ b/report.pptx
@@ -346,7 +346,7 @@
             <a:fld id="{B61BEF0D-F0BB-DE4B-95CE-6DB70DBA9567}" type="datetimeFigureOut">
               <a:rPr lang="en-US" dirty="0"/>
               <a:pPr/>
-              <a:t>6/16/2018</a:t>
+              <a:t>6/18/2018</a:t>
             </a:fld>
             <a:endParaRPr lang="en-US" dirty="0"/>
           </a:p>
@@ -677,7 +677,7 @@
             <a:fld id="{B61BEF0D-F0BB-DE4B-95CE-6DB70DBA9567}" type="datetimeFigureOut">
               <a:rPr lang="en-US" dirty="0"/>
               <a:pPr/>
-              <a:t>6/16/2018</a:t>
+              <a:t>6/18/2018</a:t>
             </a:fld>
             <a:endParaRPr lang="en-US" dirty="0"/>
           </a:p>
@@ -952,7 +952,7 @@
             <a:fld id="{B61BEF0D-F0BB-DE4B-95CE-6DB70DBA9567}" type="datetimeFigureOut">
               <a:rPr lang="en-US" dirty="0"/>
               <a:pPr/>
-              <a:t>6/16/2018</a:t>
+              <a:t>6/18/2018</a:t>
             </a:fld>
             <a:endParaRPr lang="en-US" dirty="0"/>
           </a:p>
@@ -1517,7 +1517,7 @@
             <a:fld id="{B61BEF0D-F0BB-DE4B-95CE-6DB70DBA9567}" type="datetimeFigureOut">
               <a:rPr lang="en-US" dirty="0"/>
               <a:pPr/>
-              <a:t>6/16/2018</a:t>
+              <a:t>6/18/2018</a:t>
             </a:fld>
             <a:endParaRPr lang="en-US" dirty="0"/>
           </a:p>
@@ -1792,7 +1792,7 @@
             <a:fld id="{B61BEF0D-F0BB-DE4B-95CE-6DB70DBA9567}" type="datetimeFigureOut">
               <a:rPr lang="en-US" dirty="0"/>
               <a:pPr/>
-              <a:t>6/16/2018</a:t>
+              <a:t>6/18/2018</a:t>
             </a:fld>
             <a:endParaRPr lang="en-US" dirty="0"/>
           </a:p>
@@ -2351,7 +2351,7 @@
             <a:fld id="{B61BEF0D-F0BB-DE4B-95CE-6DB70DBA9567}" type="datetimeFigureOut">
               <a:rPr lang="en-US" dirty="0"/>
               <a:pPr/>
-              <a:t>6/16/2018</a:t>
+              <a:t>6/18/2018</a:t>
             </a:fld>
             <a:endParaRPr lang="en-US" dirty="0"/>
           </a:p>
@@ -2675,7 +2675,7 @@
             <a:fld id="{B61BEF0D-F0BB-DE4B-95CE-6DB70DBA9567}" type="datetimeFigureOut">
               <a:rPr lang="en-US" dirty="0"/>
               <a:pPr/>
-              <a:t>6/16/2018</a:t>
+              <a:t>6/18/2018</a:t>
             </a:fld>
             <a:endParaRPr lang="en-US" dirty="0"/>
           </a:p>
@@ -2849,7 +2849,7 @@
             <a:fld id="{B61BEF0D-F0BB-DE4B-95CE-6DB70DBA9567}" type="datetimeFigureOut">
               <a:rPr lang="en-US" dirty="0"/>
               <a:pPr/>
-              <a:t>6/16/2018</a:t>
+              <a:t>6/18/2018</a:t>
             </a:fld>
             <a:endParaRPr lang="en-US" dirty="0"/>
           </a:p>
@@ -3084,7 +3084,7 @@
             <a:fld id="{B61BEF0D-F0BB-DE4B-95CE-6DB70DBA9567}" type="datetimeFigureOut">
               <a:rPr lang="en-US" dirty="0"/>
               <a:pPr/>
-              <a:t>6/16/2018</a:t>
+              <a:t>6/18/2018</a:t>
             </a:fld>
             <a:endParaRPr lang="en-US" dirty="0"/>
           </a:p>
@@ -3281,7 +3281,7 @@
             <a:fld id="{B61BEF0D-F0BB-DE4B-95CE-6DB70DBA9567}" type="datetimeFigureOut">
               <a:rPr lang="en-US" dirty="0"/>
               <a:pPr/>
-              <a:t>6/16/2018</a:t>
+              <a:t>6/18/2018</a:t>
             </a:fld>
             <a:endParaRPr lang="en-US" dirty="0"/>
           </a:p>
@@ -3554,7 +3554,7 @@
             <a:fld id="{B61BEF0D-F0BB-DE4B-95CE-6DB70DBA9567}" type="datetimeFigureOut">
               <a:rPr lang="en-US" dirty="0"/>
               <a:pPr/>
-              <a:t>6/16/2018</a:t>
+              <a:t>6/18/2018</a:t>
             </a:fld>
             <a:endParaRPr lang="en-US" dirty="0"/>
           </a:p>
@@ -3817,7 +3817,7 @@
             <a:fld id="{B61BEF0D-F0BB-DE4B-95CE-6DB70DBA9567}" type="datetimeFigureOut">
               <a:rPr lang="en-US" dirty="0"/>
               <a:pPr/>
-              <a:t>6/16/2018</a:t>
+              <a:t>6/18/2018</a:t>
             </a:fld>
             <a:endParaRPr lang="en-US" dirty="0"/>
           </a:p>
@@ -4188,7 +4188,7 @@
             <a:fld id="{B61BEF0D-F0BB-DE4B-95CE-6DB70DBA9567}" type="datetimeFigureOut">
               <a:rPr lang="en-US" dirty="0"/>
               <a:pPr/>
-              <a:t>6/16/2018</a:t>
+              <a:t>6/18/2018</a:t>
             </a:fld>
             <a:endParaRPr lang="en-US" dirty="0"/>
           </a:p>
@@ -4333,7 +4333,7 @@
             <a:fld id="{B61BEF0D-F0BB-DE4B-95CE-6DB70DBA9567}" type="datetimeFigureOut">
               <a:rPr lang="en-US" dirty="0"/>
               <a:pPr/>
-              <a:t>6/16/2018</a:t>
+              <a:t>6/18/2018</a:t>
             </a:fld>
             <a:endParaRPr lang="en-US" dirty="0"/>
           </a:p>
@@ -4455,7 +4455,7 @@
             <a:fld id="{B61BEF0D-F0BB-DE4B-95CE-6DB70DBA9567}" type="datetimeFigureOut">
               <a:rPr lang="en-US" dirty="0"/>
               <a:pPr/>
-              <a:t>6/16/2018</a:t>
+              <a:t>6/18/2018</a:t>
             </a:fld>
             <a:endParaRPr lang="en-US" dirty="0"/>
           </a:p>
@@ -4737,7 +4737,7 @@
             <a:fld id="{B61BEF0D-F0BB-DE4B-95CE-6DB70DBA9567}" type="datetimeFigureOut">
               <a:rPr lang="en-US" dirty="0"/>
               <a:pPr/>
-              <a:t>6/16/2018</a:t>
+              <a:t>6/18/2018</a:t>
             </a:fld>
             <a:endParaRPr lang="en-US" dirty="0"/>
           </a:p>
@@ -5058,7 +5058,7 @@
             <a:fld id="{B61BEF0D-F0BB-DE4B-95CE-6DB70DBA9567}" type="datetimeFigureOut">
               <a:rPr lang="en-US" dirty="0"/>
               <a:pPr/>
-              <a:t>6/16/2018</a:t>
+              <a:t>6/18/2018</a:t>
             </a:fld>
             <a:endParaRPr lang="en-US" dirty="0"/>
           </a:p>
@@ -5269,7 +5269,7 @@
             <a:fld id="{B61BEF0D-F0BB-DE4B-95CE-6DB70DBA9567}" type="datetimeFigureOut">
               <a:rPr lang="en-US" dirty="0"/>
               <a:pPr/>
-              <a:t>6/16/2018</a:t>
+              <a:t>6/18/2018</a:t>
             </a:fld>
             <a:endParaRPr lang="en-US" dirty="0"/>
           </a:p>
@@ -5909,42 +5909,61 @@
           <a:p>
             <a:r>
               <a:rPr lang="zh-TW" altLang="en-US" dirty="0"/>
-              <a:t>碰到怪物</a:t>
+              <a:t>碰到</a:t>
             </a:r>
             <a:r>
               <a:rPr lang="zh-TW" altLang="en-US" dirty="0" smtClean="0"/>
-              <a:t>扣</a:t>
+              <a:t>怪物生命扣</a:t>
             </a:r>
             <a:r>
               <a:rPr lang="en-US" altLang="zh-TW" dirty="0" smtClean="0"/>
-              <a:t>50</a:t>
+              <a:t>1</a:t>
+            </a:r>
+            <a:r>
+              <a:rPr lang="zh-TW" altLang="en-US" dirty="0" smtClean="0"/>
+              <a:t>，</a:t>
+            </a:r>
+            <a:r>
+              <a:rPr lang="zh-TW" altLang="en-US" dirty="0"/>
+              <a:t>碰到金幣</a:t>
+            </a:r>
+            <a:r>
+              <a:rPr lang="zh-TW" altLang="en-US" dirty="0" smtClean="0"/>
+              <a:t>加</a:t>
+            </a:r>
+            <a:r>
+              <a:rPr lang="en-US" altLang="zh-TW" dirty="0" smtClean="0"/>
+              <a:t>10</a:t>
             </a:r>
             <a:r>
               <a:rPr lang="zh-TW" altLang="en-US" dirty="0" smtClean="0"/>
               <a:t>分</a:t>
             </a:r>
+            <a:endParaRPr lang="en-US" altLang="zh-TW" dirty="0"/>
+          </a:p>
+          <a:p>
+            <a:r>
+              <a:rPr lang="zh-TW" altLang="en-US" dirty="0" smtClean="0"/>
+              <a:t>一開始的生命為</a:t>
+            </a:r>
+            <a:r>
+              <a:rPr lang="en-US" altLang="zh-TW" dirty="0"/>
+              <a:t>3</a:t>
+            </a:r>
+            <a:endParaRPr lang="en-US" altLang="zh-TW" dirty="0" smtClean="0"/>
+          </a:p>
+          <a:p>
+            <a:r>
+              <a:rPr lang="zh-TW" altLang="en-US" dirty="0" smtClean="0"/>
+              <a:t>當</a:t>
+            </a:r>
             <a:r>
               <a:rPr lang="zh-TW" altLang="en-US" dirty="0"/>
-              <a:t>，碰到金幣</a:t>
+              <a:t>生命</a:t>
             </a:r>
             <a:r>
               <a:rPr lang="zh-TW" altLang="en-US" dirty="0" smtClean="0"/>
-              <a:t>加</a:t>
-            </a:r>
-            <a:r>
-              <a:rPr lang="en-US" altLang="zh-TW" dirty="0" smtClean="0"/>
-              <a:t>10</a:t>
-            </a:r>
-            <a:r>
-              <a:rPr lang="zh-TW" altLang="en-US" dirty="0" smtClean="0"/>
-              <a:t>分</a:t>
-            </a:r>
-            <a:endParaRPr lang="en-US" altLang="zh-TW" dirty="0" smtClean="0"/>
-          </a:p>
-          <a:p>
-            <a:r>
-              <a:rPr lang="zh-TW" altLang="en-US" dirty="0" smtClean="0"/>
-              <a:t>當分數歸</a:t>
+              <a:t>歸</a:t>
             </a:r>
             <a:r>
               <a:rPr lang="en-US" altLang="zh-TW" dirty="0" smtClean="0"/>
@@ -5964,30 +5983,6 @@
           </a:p>
         </p:txBody>
       </p:sp>
-      <p:pic>
-        <p:nvPicPr>
-          <p:cNvPr id="4" name="圖片 3"/>
-          <p:cNvPicPr>
-            <a:picLocks noChangeAspect="1"/>
-          </p:cNvPicPr>
-          <p:nvPr/>
-        </p:nvPicPr>
-        <p:blipFill>
-          <a:blip r:embed="rId2"/>
-          <a:stretch>
-            <a:fillRect/>
-          </a:stretch>
-        </p:blipFill>
-        <p:spPr>
-          <a:xfrm>
-            <a:off x="5176226" y="2699238"/>
-            <a:ext cx="6859430" cy="3370427"/>
-          </a:xfrm>
-          <a:prstGeom prst="rect">
-            <a:avLst/>
-          </a:prstGeom>
-        </p:spPr>
-      </p:pic>
     </p:spTree>
     <p:extLst>
       <p:ext uri="{BB962C8B-B14F-4D97-AF65-F5344CB8AC3E}">
@@ -6174,22 +6169,27 @@
           <a:p>
             <a:r>
               <a:rPr lang="zh-TW" altLang="en-US" dirty="0" smtClean="0"/>
-              <a:t>可紀錄取得的最高分數以及開始的時間</a:t>
-            </a:r>
-            <a:endParaRPr lang="en-US" altLang="zh-TW" dirty="0" smtClean="0"/>
-          </a:p>
-          <a:p>
+              <a:t>可紀錄取得</a:t>
+            </a:r>
             <a:r>
               <a:rPr lang="zh-TW" altLang="en-US" dirty="0" smtClean="0"/>
-              <a:t>生命取決於目前分數多寡，歸</a:t>
-            </a:r>
-            <a:r>
-              <a:rPr lang="en-US" altLang="zh-TW" dirty="0" smtClean="0"/>
-              <a:t>0</a:t>
+              <a:t>的分數以及</a:t>
             </a:r>
             <a:r>
               <a:rPr lang="zh-TW" altLang="en-US" dirty="0" smtClean="0"/>
-              <a:t>即死亡</a:t>
+              <a:t>每場</a:t>
+            </a:r>
+            <a:r>
+              <a:rPr lang="zh-TW" altLang="en-US" dirty="0"/>
+              <a:t>持續</a:t>
+            </a:r>
+            <a:r>
+              <a:rPr lang="zh-TW" altLang="en-US" dirty="0" smtClean="0"/>
+              <a:t>的</a:t>
+            </a:r>
+            <a:r>
+              <a:rPr lang="zh-TW" altLang="en-US" dirty="0" smtClean="0"/>
+              <a:t>時間</a:t>
             </a:r>
             <a:endParaRPr lang="en-US" altLang="zh-TW" dirty="0" smtClean="0"/>
           </a:p>

--- a/report.pptx
+++ b/report.pptx
@@ -346,7 +346,7 @@
             <a:fld id="{B61BEF0D-F0BB-DE4B-95CE-6DB70DBA9567}" type="datetimeFigureOut">
               <a:rPr lang="en-US" dirty="0"/>
               <a:pPr/>
-              <a:t>6/18/2018</a:t>
+              <a:t>6/19/2018</a:t>
             </a:fld>
             <a:endParaRPr lang="en-US" dirty="0"/>
           </a:p>
@@ -677,7 +677,7 @@
             <a:fld id="{B61BEF0D-F0BB-DE4B-95CE-6DB70DBA9567}" type="datetimeFigureOut">
               <a:rPr lang="en-US" dirty="0"/>
               <a:pPr/>
-              <a:t>6/18/2018</a:t>
+              <a:t>6/19/2018</a:t>
             </a:fld>
             <a:endParaRPr lang="en-US" dirty="0"/>
           </a:p>
@@ -952,7 +952,7 @@
             <a:fld id="{B61BEF0D-F0BB-DE4B-95CE-6DB70DBA9567}" type="datetimeFigureOut">
               <a:rPr lang="en-US" dirty="0"/>
               <a:pPr/>
-              <a:t>6/18/2018</a:t>
+              <a:t>6/19/2018</a:t>
             </a:fld>
             <a:endParaRPr lang="en-US" dirty="0"/>
           </a:p>
@@ -1517,7 +1517,7 @@
             <a:fld id="{B61BEF0D-F0BB-DE4B-95CE-6DB70DBA9567}" type="datetimeFigureOut">
               <a:rPr lang="en-US" dirty="0"/>
               <a:pPr/>
-              <a:t>6/18/2018</a:t>
+              <a:t>6/19/2018</a:t>
             </a:fld>
             <a:endParaRPr lang="en-US" dirty="0"/>
           </a:p>
@@ -1792,7 +1792,7 @@
             <a:fld id="{B61BEF0D-F0BB-DE4B-95CE-6DB70DBA9567}" type="datetimeFigureOut">
               <a:rPr lang="en-US" dirty="0"/>
               <a:pPr/>
-              <a:t>6/18/2018</a:t>
+              <a:t>6/19/2018</a:t>
             </a:fld>
             <a:endParaRPr lang="en-US" dirty="0"/>
           </a:p>
@@ -2351,7 +2351,7 @@
             <a:fld id="{B61BEF0D-F0BB-DE4B-95CE-6DB70DBA9567}" type="datetimeFigureOut">
               <a:rPr lang="en-US" dirty="0"/>
               <a:pPr/>
-              <a:t>6/18/2018</a:t>
+              <a:t>6/19/2018</a:t>
             </a:fld>
             <a:endParaRPr lang="en-US" dirty="0"/>
           </a:p>
@@ -2675,7 +2675,7 @@
             <a:fld id="{B61BEF0D-F0BB-DE4B-95CE-6DB70DBA9567}" type="datetimeFigureOut">
               <a:rPr lang="en-US" dirty="0"/>
               <a:pPr/>
-              <a:t>6/18/2018</a:t>
+              <a:t>6/19/2018</a:t>
             </a:fld>
             <a:endParaRPr lang="en-US" dirty="0"/>
           </a:p>
@@ -2849,7 +2849,7 @@
             <a:fld id="{B61BEF0D-F0BB-DE4B-95CE-6DB70DBA9567}" type="datetimeFigureOut">
               <a:rPr lang="en-US" dirty="0"/>
               <a:pPr/>
-              <a:t>6/18/2018</a:t>
+              <a:t>6/19/2018</a:t>
             </a:fld>
             <a:endParaRPr lang="en-US" dirty="0"/>
           </a:p>
@@ -3084,7 +3084,7 @@
             <a:fld id="{B61BEF0D-F0BB-DE4B-95CE-6DB70DBA9567}" type="datetimeFigureOut">
               <a:rPr lang="en-US" dirty="0"/>
               <a:pPr/>
-              <a:t>6/18/2018</a:t>
+              <a:t>6/19/2018</a:t>
             </a:fld>
             <a:endParaRPr lang="en-US" dirty="0"/>
           </a:p>
@@ -3281,7 +3281,7 @@
             <a:fld id="{B61BEF0D-F0BB-DE4B-95CE-6DB70DBA9567}" type="datetimeFigureOut">
               <a:rPr lang="en-US" dirty="0"/>
               <a:pPr/>
-              <a:t>6/18/2018</a:t>
+              <a:t>6/19/2018</a:t>
             </a:fld>
             <a:endParaRPr lang="en-US" dirty="0"/>
           </a:p>
@@ -3554,7 +3554,7 @@
             <a:fld id="{B61BEF0D-F0BB-DE4B-95CE-6DB70DBA9567}" type="datetimeFigureOut">
               <a:rPr lang="en-US" dirty="0"/>
               <a:pPr/>
-              <a:t>6/18/2018</a:t>
+              <a:t>6/19/2018</a:t>
             </a:fld>
             <a:endParaRPr lang="en-US" dirty="0"/>
           </a:p>
@@ -3817,7 +3817,7 @@
             <a:fld id="{B61BEF0D-F0BB-DE4B-95CE-6DB70DBA9567}" type="datetimeFigureOut">
               <a:rPr lang="en-US" dirty="0"/>
               <a:pPr/>
-              <a:t>6/18/2018</a:t>
+              <a:t>6/19/2018</a:t>
             </a:fld>
             <a:endParaRPr lang="en-US" dirty="0"/>
           </a:p>
@@ -4188,7 +4188,7 @@
             <a:fld id="{B61BEF0D-F0BB-DE4B-95CE-6DB70DBA9567}" type="datetimeFigureOut">
               <a:rPr lang="en-US" dirty="0"/>
               <a:pPr/>
-              <a:t>6/18/2018</a:t>
+              <a:t>6/19/2018</a:t>
             </a:fld>
             <a:endParaRPr lang="en-US" dirty="0"/>
           </a:p>
@@ -4333,7 +4333,7 @@
             <a:fld id="{B61BEF0D-F0BB-DE4B-95CE-6DB70DBA9567}" type="datetimeFigureOut">
               <a:rPr lang="en-US" dirty="0"/>
               <a:pPr/>
-              <a:t>6/18/2018</a:t>
+              <a:t>6/19/2018</a:t>
             </a:fld>
             <a:endParaRPr lang="en-US" dirty="0"/>
           </a:p>
@@ -4455,7 +4455,7 @@
             <a:fld id="{B61BEF0D-F0BB-DE4B-95CE-6DB70DBA9567}" type="datetimeFigureOut">
               <a:rPr lang="en-US" dirty="0"/>
               <a:pPr/>
-              <a:t>6/18/2018</a:t>
+              <a:t>6/19/2018</a:t>
             </a:fld>
             <a:endParaRPr lang="en-US" dirty="0"/>
           </a:p>
@@ -4737,7 +4737,7 @@
             <a:fld id="{B61BEF0D-F0BB-DE4B-95CE-6DB70DBA9567}" type="datetimeFigureOut">
               <a:rPr lang="en-US" dirty="0"/>
               <a:pPr/>
-              <a:t>6/18/2018</a:t>
+              <a:t>6/19/2018</a:t>
             </a:fld>
             <a:endParaRPr lang="en-US" dirty="0"/>
           </a:p>
@@ -5058,7 +5058,7 @@
             <a:fld id="{B61BEF0D-F0BB-DE4B-95CE-6DB70DBA9567}" type="datetimeFigureOut">
               <a:rPr lang="en-US" dirty="0"/>
               <a:pPr/>
-              <a:t>6/18/2018</a:t>
+              <a:t>6/19/2018</a:t>
             </a:fld>
             <a:endParaRPr lang="en-US" dirty="0"/>
           </a:p>
@@ -5269,7 +5269,7 @@
             <a:fld id="{B61BEF0D-F0BB-DE4B-95CE-6DB70DBA9567}" type="datetimeFigureOut">
               <a:rPr lang="en-US" dirty="0"/>
               <a:pPr/>
-              <a:t>6/18/2018</a:t>
+              <a:t>6/19/2018</a:t>
             </a:fld>
             <a:endParaRPr lang="en-US" dirty="0"/>
           </a:p>
@@ -5788,21 +5788,28 @@
             <p:ph type="ctrTitle"/>
           </p:nvPr>
         </p:nvSpPr>
-        <p:spPr/>
-        <p:txBody>
-          <a:bodyPr/>
+        <p:spPr>
+          <a:xfrm>
+            <a:off x="3962399" y="1899138"/>
+            <a:ext cx="7197726" cy="1431516"/>
+          </a:xfrm>
+        </p:spPr>
+        <p:txBody>
+          <a:bodyPr>
+            <a:normAutofit/>
+          </a:bodyPr>
           <a:lstStyle/>
           <a:p>
             <a:pPr algn="ctr"/>
             <a:r>
-              <a:rPr lang="en-US" altLang="zh-TW" dirty="0" smtClean="0">
+              <a:rPr lang="en-US" altLang="zh-TW" sz="7200" dirty="0" smtClean="0">
                 <a:solidFill>
                   <a:srgbClr val="FF0000"/>
                 </a:solidFill>
               </a:rPr>
               <a:t>Mario</a:t>
             </a:r>
-            <a:endParaRPr lang="zh-TW" altLang="en-US" dirty="0">
+            <a:endParaRPr lang="zh-TW" altLang="en-US" sz="7200" dirty="0">
               <a:solidFill>
                 <a:srgbClr val="FF0000"/>
               </a:solidFill>
@@ -5827,11 +5834,46 @@
           </a:bodyPr>
           <a:lstStyle/>
           <a:p>
-            <a:r>
-              <a:rPr lang="en-US" altLang="zh-TW" sz="2800" dirty="0" smtClean="0"/>
-              <a:t>00557111+00557150</a:t>
-            </a:r>
-            <a:endParaRPr lang="zh-TW" altLang="en-US" sz="2800" dirty="0"/>
+            <a:pPr algn="ctr"/>
+            <a:r>
+              <a:rPr lang="en-US" altLang="zh-TW" sz="2800" dirty="0" smtClean="0">
+                <a:latin typeface="標楷體" panose="03000509000000000000" pitchFamily="65" charset="-120"/>
+                <a:ea typeface="標楷體" panose="03000509000000000000" pitchFamily="65" charset="-120"/>
+              </a:rPr>
+              <a:t>00557111</a:t>
+            </a:r>
+            <a:r>
+              <a:rPr lang="zh-TW" altLang="en-US" sz="2800" dirty="0" smtClean="0">
+                <a:latin typeface="標楷體" panose="03000509000000000000" pitchFamily="65" charset="-120"/>
+                <a:ea typeface="標楷體" panose="03000509000000000000" pitchFamily="65" charset="-120"/>
+              </a:rPr>
+              <a:t>游世宇</a:t>
+            </a:r>
+            <a:endParaRPr lang="en-US" altLang="zh-TW" sz="2800" dirty="0" smtClean="0">
+              <a:latin typeface="標楷體" panose="03000509000000000000" pitchFamily="65" charset="-120"/>
+              <a:ea typeface="標楷體" panose="03000509000000000000" pitchFamily="65" charset="-120"/>
+            </a:endParaRPr>
+          </a:p>
+          <a:p>
+            <a:pPr algn="ctr"/>
+            <a:r>
+              <a:rPr lang="en-US" altLang="zh-TW" sz="2800" dirty="0" smtClean="0">
+                <a:latin typeface="標楷體" panose="03000509000000000000" pitchFamily="65" charset="-120"/>
+                <a:ea typeface="標楷體" panose="03000509000000000000" pitchFamily="65" charset="-120"/>
+              </a:rPr>
+              <a:t>00557150</a:t>
+            </a:r>
+            <a:r>
+              <a:rPr lang="zh-TW" altLang="en-US" sz="2800" dirty="0" smtClean="0">
+                <a:latin typeface="標楷體" panose="03000509000000000000" pitchFamily="65" charset="-120"/>
+                <a:ea typeface="標楷體" panose="03000509000000000000" pitchFamily="65" charset="-120"/>
+              </a:rPr>
+              <a:t>劉宇凌</a:t>
+            </a:r>
+            <a:endParaRPr lang="zh-TW" altLang="en-US" sz="2800" dirty="0">
+              <a:latin typeface="標楷體" panose="03000509000000000000" pitchFamily="65" charset="-120"/>
+              <a:ea typeface="標楷體" panose="03000509000000000000" pitchFamily="65" charset="-120"/>
+            </a:endParaRPr>
           </a:p>
         </p:txBody>
       </p:sp>
@@ -5845,6 +5887,13 @@
   <p:clrMapOvr>
     <a:masterClrMapping/>
   </p:clrMapOvr>
+  <p:timing>
+    <p:tnLst>
+      <p:par>
+        <p:cTn id="1" dur="indefinite" restart="never" nodeType="tmRoot"/>
+      </p:par>
+    </p:tnLst>
+  </p:timing>
 </p:sld>
 </file>
 
@@ -5877,112 +5926,229 @@
         </p:nvSpPr>
         <p:spPr/>
         <p:txBody>
+          <a:bodyPr>
+            <a:normAutofit/>
+          </a:bodyPr>
+          <a:lstStyle/>
+          <a:p>
+            <a:r>
+              <a:rPr lang="zh-TW" altLang="en-US" sz="5400" dirty="0">
+                <a:latin typeface="微軟正黑體" panose="020B0604030504040204" pitchFamily="34" charset="-120"/>
+                <a:ea typeface="微軟正黑體" panose="020B0604030504040204" pitchFamily="34" charset="-120"/>
+              </a:rPr>
+              <a:t>遊</a:t>
+            </a:r>
+            <a:r>
+              <a:rPr lang="zh-TW" altLang="en-US" sz="5400" dirty="0" smtClean="0">
+                <a:latin typeface="微軟正黑體" panose="020B0604030504040204" pitchFamily="34" charset="-120"/>
+                <a:ea typeface="微軟正黑體" panose="020B0604030504040204" pitchFamily="34" charset="-120"/>
+              </a:rPr>
+              <a:t>戲規則</a:t>
+            </a:r>
+            <a:endParaRPr lang="zh-TW" altLang="en-US" sz="5400" dirty="0">
+              <a:latin typeface="微軟正黑體" panose="020B0604030504040204" pitchFamily="34" charset="-120"/>
+              <a:ea typeface="微軟正黑體" panose="020B0604030504040204" pitchFamily="34" charset="-120"/>
+            </a:endParaRPr>
+          </a:p>
+        </p:txBody>
+      </p:sp>
+      <p:sp>
+        <p:nvSpPr>
+          <p:cNvPr id="3" name="內容版面配置區 2"/>
+          <p:cNvSpPr>
+            <a:spLocks noGrp="1"/>
+          </p:cNvSpPr>
+          <p:nvPr>
+            <p:ph idx="1"/>
+          </p:nvPr>
+        </p:nvSpPr>
+        <p:spPr>
+          <a:xfrm>
+            <a:off x="685801" y="2704774"/>
+            <a:ext cx="10131425" cy="3649133"/>
+          </a:xfrm>
+        </p:spPr>
+        <p:txBody>
           <a:bodyPr/>
           <a:lstStyle/>
           <a:p>
-            <a:r>
-              <a:rPr lang="zh-TW" altLang="en-US" dirty="0"/>
-              <a:t>遊</a:t>
-            </a:r>
-            <a:r>
-              <a:rPr lang="zh-TW" altLang="en-US" dirty="0" smtClean="0"/>
-              <a:t>戲規則</a:t>
-            </a:r>
+            <a:pPr>
+              <a:lnSpc>
+                <a:spcPct val="150000"/>
+              </a:lnSpc>
+            </a:pPr>
+            <a:r>
+              <a:rPr lang="zh-TW" altLang="en-US" sz="2800" dirty="0">
+                <a:latin typeface="微軟正黑體" panose="020B0604030504040204" pitchFamily="34" charset="-120"/>
+                <a:ea typeface="微軟正黑體" panose="020B0604030504040204" pitchFamily="34" charset="-120"/>
+              </a:rPr>
+              <a:t>一開始的生命為</a:t>
+            </a:r>
+            <a:r>
+              <a:rPr lang="en-US" altLang="zh-TW" sz="2800" dirty="0">
+                <a:latin typeface="微軟正黑體" panose="020B0604030504040204" pitchFamily="34" charset="-120"/>
+                <a:ea typeface="微軟正黑體" panose="020B0604030504040204" pitchFamily="34" charset="-120"/>
+              </a:rPr>
+              <a:t>3</a:t>
+            </a:r>
+          </a:p>
+          <a:p>
+            <a:pPr>
+              <a:lnSpc>
+                <a:spcPct val="150000"/>
+              </a:lnSpc>
+            </a:pPr>
+            <a:r>
+              <a:rPr lang="zh-TW" altLang="en-US" sz="2800" dirty="0" smtClean="0">
+                <a:latin typeface="微軟正黑體" panose="020B0604030504040204" pitchFamily="34" charset="-120"/>
+                <a:ea typeface="微軟正黑體" panose="020B0604030504040204" pitchFamily="34" charset="-120"/>
+              </a:rPr>
+              <a:t>碰到</a:t>
+            </a:r>
+            <a:r>
+              <a:rPr lang="zh-TW" altLang="en-US" sz="2800" dirty="0" smtClean="0">
+                <a:latin typeface="微軟正黑體" panose="020B0604030504040204" pitchFamily="34" charset="-120"/>
+                <a:ea typeface="微軟正黑體" panose="020B0604030504040204" pitchFamily="34" charset="-120"/>
+              </a:rPr>
+              <a:t>怪物生命扣</a:t>
+            </a:r>
+            <a:r>
+              <a:rPr lang="en-US" altLang="zh-TW" sz="2800" dirty="0" smtClean="0">
+                <a:latin typeface="微軟正黑體" panose="020B0604030504040204" pitchFamily="34" charset="-120"/>
+                <a:ea typeface="微軟正黑體" panose="020B0604030504040204" pitchFamily="34" charset="-120"/>
+              </a:rPr>
+              <a:t>1</a:t>
+            </a:r>
+          </a:p>
+          <a:p>
+            <a:pPr>
+              <a:lnSpc>
+                <a:spcPct val="150000"/>
+              </a:lnSpc>
+            </a:pPr>
+            <a:r>
+              <a:rPr lang="zh-TW" altLang="en-US" sz="2800" dirty="0" smtClean="0">
+                <a:latin typeface="微軟正黑體" panose="020B0604030504040204" pitchFamily="34" charset="-120"/>
+                <a:ea typeface="微軟正黑體" panose="020B0604030504040204" pitchFamily="34" charset="-120"/>
+              </a:rPr>
+              <a:t>當</a:t>
+            </a:r>
+            <a:r>
+              <a:rPr lang="zh-TW" altLang="en-US" sz="2800" dirty="0">
+                <a:latin typeface="微軟正黑體" panose="020B0604030504040204" pitchFamily="34" charset="-120"/>
+                <a:ea typeface="微軟正黑體" panose="020B0604030504040204" pitchFamily="34" charset="-120"/>
+              </a:rPr>
+              <a:t>生命</a:t>
+            </a:r>
+            <a:r>
+              <a:rPr lang="zh-TW" altLang="en-US" sz="2800" dirty="0" smtClean="0">
+                <a:latin typeface="微軟正黑體" panose="020B0604030504040204" pitchFamily="34" charset="-120"/>
+                <a:ea typeface="微軟正黑體" panose="020B0604030504040204" pitchFamily="34" charset="-120"/>
+              </a:rPr>
+              <a:t>歸</a:t>
+            </a:r>
+            <a:r>
+              <a:rPr lang="en-US" altLang="zh-TW" sz="2800" dirty="0" smtClean="0">
+                <a:latin typeface="微軟正黑體" panose="020B0604030504040204" pitchFamily="34" charset="-120"/>
+                <a:ea typeface="微軟正黑體" panose="020B0604030504040204" pitchFamily="34" charset="-120"/>
+              </a:rPr>
+              <a:t>0</a:t>
+            </a:r>
+            <a:r>
+              <a:rPr lang="zh-TW" altLang="en-US" sz="2800" dirty="0" smtClean="0">
+                <a:latin typeface="微軟正黑體" panose="020B0604030504040204" pitchFamily="34" charset="-120"/>
+                <a:ea typeface="微軟正黑體" panose="020B0604030504040204" pitchFamily="34" charset="-120"/>
+              </a:rPr>
+              <a:t>時</a:t>
+            </a:r>
+            <a:r>
+              <a:rPr lang="zh-TW" altLang="en-US" sz="2800" dirty="0" smtClean="0">
+                <a:latin typeface="微軟正黑體" panose="020B0604030504040204" pitchFamily="34" charset="-120"/>
+                <a:ea typeface="微軟正黑體" panose="020B0604030504040204" pitchFamily="34" charset="-120"/>
+              </a:rPr>
+              <a:t>結束</a:t>
+            </a:r>
+            <a:endParaRPr lang="en-US" altLang="zh-TW" sz="2800" dirty="0" smtClean="0">
+              <a:latin typeface="微軟正黑體" panose="020B0604030504040204" pitchFamily="34" charset="-120"/>
+              <a:ea typeface="微軟正黑體" panose="020B0604030504040204" pitchFamily="34" charset="-120"/>
+            </a:endParaRPr>
+          </a:p>
+          <a:p>
+            <a:pPr>
+              <a:lnSpc>
+                <a:spcPct val="150000"/>
+              </a:lnSpc>
+            </a:pPr>
+            <a:r>
+              <a:rPr lang="zh-TW" altLang="en-US" sz="2800" dirty="0">
+                <a:latin typeface="微軟正黑體" panose="020B0604030504040204" pitchFamily="34" charset="-120"/>
+                <a:ea typeface="微軟正黑體" panose="020B0604030504040204" pitchFamily="34" charset="-120"/>
+              </a:rPr>
+              <a:t>碰到金幣加</a:t>
+            </a:r>
+            <a:r>
+              <a:rPr lang="en-US" altLang="zh-TW" sz="2800" dirty="0">
+                <a:latin typeface="微軟正黑體" panose="020B0604030504040204" pitchFamily="34" charset="-120"/>
+                <a:ea typeface="微軟正黑體" panose="020B0604030504040204" pitchFamily="34" charset="-120"/>
+              </a:rPr>
+              <a:t>10</a:t>
+            </a:r>
+            <a:r>
+              <a:rPr lang="zh-TW" altLang="en-US" sz="2800" dirty="0">
+                <a:latin typeface="微軟正黑體" panose="020B0604030504040204" pitchFamily="34" charset="-120"/>
+                <a:ea typeface="微軟正黑體" panose="020B0604030504040204" pitchFamily="34" charset="-120"/>
+              </a:rPr>
+              <a:t>分</a:t>
+            </a:r>
+            <a:endParaRPr lang="en-US" altLang="zh-TW" sz="2800" dirty="0">
+              <a:latin typeface="微軟正黑體" panose="020B0604030504040204" pitchFamily="34" charset="-120"/>
+              <a:ea typeface="微軟正黑體" panose="020B0604030504040204" pitchFamily="34" charset="-120"/>
+            </a:endParaRPr>
+          </a:p>
+          <a:p>
+            <a:endParaRPr lang="en-US" altLang="zh-TW" sz="2800" dirty="0" smtClean="0">
+              <a:latin typeface="微軟正黑體" panose="020B0604030504040204" pitchFamily="34" charset="-120"/>
+              <a:ea typeface="微軟正黑體" panose="020B0604030504040204" pitchFamily="34" charset="-120"/>
+            </a:endParaRPr>
+          </a:p>
+          <a:p>
+            <a:endParaRPr lang="en-US" altLang="zh-TW" dirty="0"/>
+          </a:p>
+          <a:p>
             <a:endParaRPr lang="zh-TW" altLang="en-US" dirty="0"/>
           </a:p>
         </p:txBody>
       </p:sp>
-      <p:sp>
-        <p:nvSpPr>
-          <p:cNvPr id="3" name="內容版面配置區 2"/>
-          <p:cNvSpPr>
-            <a:spLocks noGrp="1"/>
-          </p:cNvSpPr>
-          <p:nvPr>
-            <p:ph idx="1"/>
-          </p:nvPr>
-        </p:nvSpPr>
-        <p:spPr/>
-        <p:txBody>
-          <a:bodyPr/>
-          <a:lstStyle/>
-          <a:p>
-            <a:r>
-              <a:rPr lang="zh-TW" altLang="en-US" dirty="0"/>
-              <a:t>碰到</a:t>
-            </a:r>
-            <a:r>
-              <a:rPr lang="zh-TW" altLang="en-US" dirty="0" smtClean="0"/>
-              <a:t>怪物生命扣</a:t>
-            </a:r>
-            <a:r>
-              <a:rPr lang="en-US" altLang="zh-TW" dirty="0" smtClean="0"/>
-              <a:t>1</a:t>
-            </a:r>
-            <a:r>
-              <a:rPr lang="zh-TW" altLang="en-US" dirty="0" smtClean="0"/>
-              <a:t>，</a:t>
-            </a:r>
-            <a:r>
-              <a:rPr lang="zh-TW" altLang="en-US" dirty="0"/>
-              <a:t>碰到金幣</a:t>
-            </a:r>
-            <a:r>
-              <a:rPr lang="zh-TW" altLang="en-US" dirty="0" smtClean="0"/>
-              <a:t>加</a:t>
-            </a:r>
-            <a:r>
-              <a:rPr lang="en-US" altLang="zh-TW" dirty="0" smtClean="0"/>
-              <a:t>10</a:t>
-            </a:r>
-            <a:r>
-              <a:rPr lang="zh-TW" altLang="en-US" dirty="0" smtClean="0"/>
-              <a:t>分</a:t>
-            </a:r>
-            <a:endParaRPr lang="en-US" altLang="zh-TW" dirty="0"/>
-          </a:p>
-          <a:p>
-            <a:r>
-              <a:rPr lang="zh-TW" altLang="en-US" dirty="0" smtClean="0"/>
-              <a:t>一開始的生命為</a:t>
-            </a:r>
-            <a:r>
-              <a:rPr lang="en-US" altLang="zh-TW" dirty="0"/>
-              <a:t>3</a:t>
-            </a:r>
-            <a:endParaRPr lang="en-US" altLang="zh-TW" dirty="0" smtClean="0"/>
-          </a:p>
-          <a:p>
-            <a:r>
-              <a:rPr lang="zh-TW" altLang="en-US" dirty="0" smtClean="0"/>
-              <a:t>當</a:t>
-            </a:r>
-            <a:r>
-              <a:rPr lang="zh-TW" altLang="en-US" dirty="0"/>
-              <a:t>生命</a:t>
-            </a:r>
-            <a:r>
-              <a:rPr lang="zh-TW" altLang="en-US" dirty="0" smtClean="0"/>
-              <a:t>歸</a:t>
-            </a:r>
-            <a:r>
-              <a:rPr lang="en-US" altLang="zh-TW" dirty="0" smtClean="0"/>
-              <a:t>0</a:t>
-            </a:r>
-            <a:r>
-              <a:rPr lang="zh-TW" altLang="en-US" dirty="0" smtClean="0"/>
-              <a:t>時結束</a:t>
-            </a:r>
-            <a:endParaRPr lang="en-US" altLang="zh-TW" dirty="0" smtClean="0"/>
-          </a:p>
-          <a:p>
-            <a:endParaRPr lang="en-US" altLang="zh-TW" dirty="0"/>
-          </a:p>
-          <a:p>
-            <a:endParaRPr lang="zh-TW" altLang="en-US" dirty="0"/>
-          </a:p>
-        </p:txBody>
-      </p:sp>
+      <p:pic>
+        <p:nvPicPr>
+          <p:cNvPr id="4" name="圖片 3"/>
+          <p:cNvPicPr>
+            <a:picLocks noChangeAspect="1"/>
+          </p:cNvPicPr>
+          <p:nvPr/>
+        </p:nvPicPr>
+        <p:blipFill>
+          <a:blip r:embed="rId2">
+            <a:extLst>
+              <a:ext uri="{28A0092B-C50C-407E-A947-70E740481C1C}">
+                <a14:useLocalDpi xmlns:a14="http://schemas.microsoft.com/office/drawing/2010/main" val="0"/>
+              </a:ext>
+            </a:extLst>
+          </a:blip>
+          <a:stretch>
+            <a:fillRect/>
+          </a:stretch>
+        </p:blipFill>
+        <p:spPr>
+          <a:xfrm>
+            <a:off x="4788978" y="2329962"/>
+            <a:ext cx="7163264" cy="3361511"/>
+          </a:xfrm>
+          <a:prstGeom prst="rect">
+            <a:avLst/>
+          </a:prstGeom>
+        </p:spPr>
+      </p:pic>
     </p:spTree>
     <p:extLst>
       <p:ext uri="{BB962C8B-B14F-4D97-AF65-F5344CB8AC3E}">
@@ -5993,6 +6159,13 @@
   <p:clrMapOvr>
     <a:masterClrMapping/>
   </p:clrMapOvr>
+  <p:timing>
+    <p:tnLst>
+      <p:par>
+        <p:cTn id="1" dur="indefinite" restart="never" nodeType="tmRoot"/>
+      </p:par>
+    </p:tnLst>
+  </p:timing>
 </p:sld>
 </file>
 
@@ -6025,11 +6198,16 @@
         </p:nvSpPr>
         <p:spPr/>
         <p:txBody>
-          <a:bodyPr/>
-          <a:lstStyle/>
-          <a:p>
-            <a:r>
-              <a:rPr lang="zh-TW" altLang="en-US" dirty="0"/>
+          <a:bodyPr>
+            <a:normAutofit/>
+          </a:bodyPr>
+          <a:lstStyle/>
+          <a:p>
+            <a:r>
+              <a:rPr lang="zh-TW" altLang="en-US" sz="8000" dirty="0">
+                <a:latin typeface="標楷體" panose="03000509000000000000" pitchFamily="65" charset="-120"/>
+                <a:ea typeface="標楷體" panose="03000509000000000000" pitchFamily="65" charset="-120"/>
+              </a:rPr>
               <a:t>架構</a:t>
             </a:r>
           </a:p>
@@ -6047,55 +6225,97 @@
         </p:nvSpPr>
         <p:spPr/>
         <p:txBody>
-          <a:bodyPr/>
-          <a:lstStyle/>
-          <a:p>
-            <a:r>
-              <a:rPr lang="zh-TW" altLang="en-US" dirty="0" smtClean="0"/>
+          <a:bodyPr>
+            <a:normAutofit/>
+          </a:bodyPr>
+          <a:lstStyle/>
+          <a:p>
+            <a:r>
+              <a:rPr lang="zh-TW" altLang="en-US" sz="2800" dirty="0" smtClean="0">
+                <a:latin typeface="微軟正黑體" panose="020B0604030504040204" pitchFamily="34" charset="-120"/>
+                <a:ea typeface="微軟正黑體" panose="020B0604030504040204" pitchFamily="34" charset="-120"/>
+              </a:rPr>
               <a:t>大部分使用</a:t>
             </a:r>
             <a:r>
-              <a:rPr lang="en-US" altLang="zh-TW" dirty="0" smtClean="0"/>
+              <a:rPr lang="en-US" altLang="zh-TW" sz="2800" dirty="0" smtClean="0">
+                <a:latin typeface="微軟正黑體" panose="020B0604030504040204" pitchFamily="34" charset="-120"/>
+                <a:ea typeface="微軟正黑體" panose="020B0604030504040204" pitchFamily="34" charset="-120"/>
+              </a:rPr>
               <a:t>phaser.js</a:t>
             </a:r>
             <a:r>
-              <a:rPr lang="zh-TW" altLang="en-US" dirty="0" smtClean="0"/>
-              <a:t>進行開發</a:t>
-            </a:r>
-            <a:endParaRPr lang="en-US" altLang="zh-TW" dirty="0" smtClean="0"/>
-          </a:p>
-          <a:p>
-            <a:endParaRPr lang="en-US" altLang="zh-TW" dirty="0"/>
-          </a:p>
-          <a:p>
-            <a:r>
-              <a:rPr lang="zh-TW" altLang="en-US" dirty="0" smtClean="0"/>
+              <a:rPr lang="zh-TW" altLang="en-US" sz="2800" dirty="0" smtClean="0">
+                <a:latin typeface="微軟正黑體" panose="020B0604030504040204" pitchFamily="34" charset="-120"/>
+                <a:ea typeface="微軟正黑體" panose="020B0604030504040204" pitchFamily="34" charset="-120"/>
+              </a:rPr>
+              <a:t>進行</a:t>
+            </a:r>
+            <a:r>
+              <a:rPr lang="zh-TW" altLang="en-US" sz="2800" dirty="0" smtClean="0">
+                <a:latin typeface="微軟正黑體" panose="020B0604030504040204" pitchFamily="34" charset="-120"/>
+                <a:ea typeface="微軟正黑體" panose="020B0604030504040204" pitchFamily="34" charset="-120"/>
+              </a:rPr>
+              <a:t>開發</a:t>
+            </a:r>
+            <a:endParaRPr lang="en-US" altLang="zh-TW" sz="2800" dirty="0">
+              <a:latin typeface="微軟正黑體" panose="020B0604030504040204" pitchFamily="34" charset="-120"/>
+              <a:ea typeface="微軟正黑體" panose="020B0604030504040204" pitchFamily="34" charset="-120"/>
+            </a:endParaRPr>
+          </a:p>
+          <a:p>
+            <a:r>
+              <a:rPr lang="zh-TW" altLang="en-US" sz="2800" dirty="0" smtClean="0">
+                <a:latin typeface="微軟正黑體" panose="020B0604030504040204" pitchFamily="34" charset="-120"/>
+                <a:ea typeface="微軟正黑體" panose="020B0604030504040204" pitchFamily="34" charset="-120"/>
+              </a:rPr>
               <a:t>使用</a:t>
             </a:r>
             <a:r>
-              <a:rPr lang="en-US" altLang="zh-TW" dirty="0" smtClean="0"/>
+              <a:rPr lang="en-US" altLang="zh-TW" sz="2800" dirty="0" smtClean="0">
+                <a:latin typeface="微軟正黑體" panose="020B0604030504040204" pitchFamily="34" charset="-120"/>
+                <a:ea typeface="微軟正黑體" panose="020B0604030504040204" pitchFamily="34" charset="-120"/>
+              </a:rPr>
               <a:t>css3</a:t>
             </a:r>
             <a:r>
-              <a:rPr lang="zh-TW" altLang="en-US" dirty="0" smtClean="0"/>
+              <a:rPr lang="zh-TW" altLang="en-US" sz="2800" dirty="0" smtClean="0">
+                <a:latin typeface="微軟正黑體" panose="020B0604030504040204" pitchFamily="34" charset="-120"/>
+                <a:ea typeface="微軟正黑體" panose="020B0604030504040204" pitchFamily="34" charset="-120"/>
+              </a:rPr>
               <a:t>進行背景動畫的處理</a:t>
             </a:r>
-            <a:endParaRPr lang="en-US" altLang="zh-TW" dirty="0" smtClean="0"/>
-          </a:p>
-          <a:p>
-            <a:r>
-              <a:rPr lang="zh-TW" altLang="en-US" dirty="0" smtClean="0"/>
+            <a:endParaRPr lang="en-US" altLang="zh-TW" sz="2800" dirty="0" smtClean="0">
+              <a:latin typeface="微軟正黑體" panose="020B0604030504040204" pitchFamily="34" charset="-120"/>
+              <a:ea typeface="微軟正黑體" panose="020B0604030504040204" pitchFamily="34" charset="-120"/>
+            </a:endParaRPr>
+          </a:p>
+          <a:p>
+            <a:r>
+              <a:rPr lang="zh-TW" altLang="en-US" sz="2800" dirty="0" smtClean="0">
+                <a:latin typeface="微軟正黑體" panose="020B0604030504040204" pitchFamily="34" charset="-120"/>
+                <a:ea typeface="微軟正黑體" panose="020B0604030504040204" pitchFamily="34" charset="-120"/>
+              </a:rPr>
               <a:t>只有單一</a:t>
             </a:r>
             <a:r>
-              <a:rPr lang="zh-TW" altLang="en-US" dirty="0"/>
+              <a:rPr lang="zh-TW" altLang="en-US" sz="2800" dirty="0">
+                <a:latin typeface="微軟正黑體" panose="020B0604030504040204" pitchFamily="34" charset="-120"/>
+                <a:ea typeface="微軟正黑體" panose="020B0604030504040204" pitchFamily="34" charset="-120"/>
+              </a:rPr>
               <a:t>頁</a:t>
             </a:r>
             <a:r>
-              <a:rPr lang="zh-TW" altLang="en-US" dirty="0" smtClean="0"/>
+              <a:rPr lang="zh-TW" altLang="en-US" sz="2800" dirty="0" smtClean="0">
+                <a:latin typeface="微軟正黑體" panose="020B0604030504040204" pitchFamily="34" charset="-120"/>
+                <a:ea typeface="微軟正黑體" panose="020B0604030504040204" pitchFamily="34" charset="-120"/>
+              </a:rPr>
               <a:t>面</a:t>
             </a:r>
-            <a:endParaRPr lang="zh-TW" altLang="en-US" dirty="0"/>
+            <a:endParaRPr lang="zh-TW" altLang="en-US" sz="2800" dirty="0">
+              <a:latin typeface="微軟正黑體" panose="020B0604030504040204" pitchFamily="34" charset="-120"/>
+              <a:ea typeface="微軟正黑體" panose="020B0604030504040204" pitchFamily="34" charset="-120"/>
+            </a:endParaRPr>
           </a:p>
         </p:txBody>
       </p:sp>
@@ -6109,6 +6329,13 @@
   <p:clrMapOvr>
     <a:masterClrMapping/>
   </p:clrMapOvr>
+  <p:timing>
+    <p:tnLst>
+      <p:par>
+        <p:cTn id="1" dur="indefinite" restart="never" nodeType="tmRoot"/>
+      </p:par>
+    </p:tnLst>
+  </p:timing>
 </p:sld>
 </file>
 
@@ -6141,14 +6368,22 @@
         </p:nvSpPr>
         <p:spPr/>
         <p:txBody>
-          <a:bodyPr/>
-          <a:lstStyle/>
-          <a:p>
-            <a:r>
-              <a:rPr lang="zh-TW" altLang="en-US" dirty="0" smtClean="0"/>
+          <a:bodyPr>
+            <a:normAutofit/>
+          </a:bodyPr>
+          <a:lstStyle/>
+          <a:p>
+            <a:r>
+              <a:rPr lang="zh-TW" altLang="en-US" sz="6000" dirty="0" smtClean="0">
+                <a:latin typeface="標楷體" panose="03000509000000000000" pitchFamily="65" charset="-120"/>
+                <a:ea typeface="標楷體" panose="03000509000000000000" pitchFamily="65" charset="-120"/>
+              </a:rPr>
               <a:t>特色</a:t>
             </a:r>
-            <a:endParaRPr lang="zh-TW" altLang="en-US" dirty="0"/>
+            <a:endParaRPr lang="zh-TW" altLang="en-US" sz="6000" dirty="0">
+              <a:latin typeface="標楷體" panose="03000509000000000000" pitchFamily="65" charset="-120"/>
+              <a:ea typeface="標楷體" panose="03000509000000000000" pitchFamily="65" charset="-120"/>
+            </a:endParaRPr>
           </a:p>
         </p:txBody>
       </p:sp>
@@ -6164,37 +6399,56 @@
         </p:nvSpPr>
         <p:spPr/>
         <p:txBody>
-          <a:bodyPr/>
-          <a:lstStyle/>
-          <a:p>
-            <a:r>
-              <a:rPr lang="zh-TW" altLang="en-US" dirty="0" smtClean="0"/>
-              <a:t>可紀錄取得</a:t>
-            </a:r>
-            <a:r>
-              <a:rPr lang="zh-TW" altLang="en-US" dirty="0" smtClean="0"/>
-              <a:t>的分數以及</a:t>
-            </a:r>
-            <a:r>
-              <a:rPr lang="zh-TW" altLang="en-US" dirty="0" smtClean="0"/>
-              <a:t>每場</a:t>
-            </a:r>
-            <a:r>
-              <a:rPr lang="zh-TW" altLang="en-US" dirty="0"/>
+          <a:bodyPr>
+            <a:normAutofit/>
+          </a:bodyPr>
+          <a:lstStyle/>
+          <a:p>
+            <a:r>
+              <a:rPr lang="zh-TW" altLang="en-US" sz="2800" dirty="0" smtClean="0">
+                <a:latin typeface="微軟正黑體" panose="020B0604030504040204" pitchFamily="34" charset="-120"/>
+                <a:ea typeface="微軟正黑體" panose="020B0604030504040204" pitchFamily="34" charset="-120"/>
+              </a:rPr>
+              <a:t>可紀錄取得的分數以及每場</a:t>
+            </a:r>
+            <a:r>
+              <a:rPr lang="zh-TW" altLang="en-US" sz="2800" dirty="0">
+                <a:latin typeface="微軟正黑體" panose="020B0604030504040204" pitchFamily="34" charset="-120"/>
+                <a:ea typeface="微軟正黑體" panose="020B0604030504040204" pitchFamily="34" charset="-120"/>
+              </a:rPr>
               <a:t>持續</a:t>
             </a:r>
             <a:r>
-              <a:rPr lang="zh-TW" altLang="en-US" dirty="0" smtClean="0"/>
+              <a:rPr lang="zh-TW" altLang="en-US" sz="2800" dirty="0" smtClean="0">
+                <a:latin typeface="微軟正黑體" panose="020B0604030504040204" pitchFamily="34" charset="-120"/>
+                <a:ea typeface="微軟正黑體" panose="020B0604030504040204" pitchFamily="34" charset="-120"/>
+              </a:rPr>
               <a:t>的</a:t>
             </a:r>
             <a:r>
-              <a:rPr lang="zh-TW" altLang="en-US" dirty="0" smtClean="0"/>
+              <a:rPr lang="zh-TW" altLang="en-US" sz="2800" dirty="0" smtClean="0">
+                <a:latin typeface="微軟正黑體" panose="020B0604030504040204" pitchFamily="34" charset="-120"/>
+                <a:ea typeface="微軟正黑體" panose="020B0604030504040204" pitchFamily="34" charset="-120"/>
+              </a:rPr>
               <a:t>時間</a:t>
             </a:r>
-            <a:endParaRPr lang="en-US" altLang="zh-TW" dirty="0" smtClean="0"/>
-          </a:p>
-          <a:p>
-            <a:endParaRPr lang="zh-TW" altLang="en-US" dirty="0"/>
+            <a:endParaRPr lang="en-US" altLang="zh-TW" sz="2800" dirty="0" smtClean="0">
+              <a:latin typeface="微軟正黑體" panose="020B0604030504040204" pitchFamily="34" charset="-120"/>
+              <a:ea typeface="微軟正黑體" panose="020B0604030504040204" pitchFamily="34" charset="-120"/>
+            </a:endParaRPr>
+          </a:p>
+          <a:p>
+            <a:r>
+              <a:rPr lang="zh-TW" altLang="en-US" sz="2800" dirty="0" smtClean="0">
+                <a:latin typeface="微軟正黑體" panose="020B0604030504040204" pitchFamily="34" charset="-120"/>
+                <a:ea typeface="微軟正黑體" panose="020B0604030504040204" pitchFamily="34" charset="-120"/>
+              </a:rPr>
+              <a:t>背景音樂</a:t>
+            </a:r>
+            <a:endParaRPr lang="en-US" altLang="zh-TW" sz="2800" dirty="0" smtClean="0">
+              <a:latin typeface="微軟正黑體" panose="020B0604030504040204" pitchFamily="34" charset="-120"/>
+              <a:ea typeface="微軟正黑體" panose="020B0604030504040204" pitchFamily="34" charset="-120"/>
+            </a:endParaRPr>
           </a:p>
         </p:txBody>
       </p:sp>
@@ -6208,6 +6462,13 @@
   <p:clrMapOvr>
     <a:masterClrMapping/>
   </p:clrMapOvr>
+  <p:timing>
+    <p:tnLst>
+      <p:par>
+        <p:cTn id="1" dur="indefinite" restart="never" nodeType="tmRoot"/>
+      </p:par>
+    </p:tnLst>
+  </p:timing>
 </p:sld>
 </file>
 
@@ -6240,14 +6501,22 @@
         </p:nvSpPr>
         <p:spPr/>
         <p:txBody>
-          <a:bodyPr/>
-          <a:lstStyle/>
-          <a:p>
-            <a:r>
-              <a:rPr lang="zh-TW" altLang="en-US" dirty="0" smtClean="0"/>
+          <a:bodyPr>
+            <a:normAutofit/>
+          </a:bodyPr>
+          <a:lstStyle/>
+          <a:p>
+            <a:r>
+              <a:rPr lang="zh-TW" altLang="en-US" sz="6000" dirty="0" smtClean="0">
+                <a:latin typeface="標楷體" panose="03000509000000000000" pitchFamily="65" charset="-120"/>
+                <a:ea typeface="標楷體" panose="03000509000000000000" pitchFamily="65" charset="-120"/>
+              </a:rPr>
               <a:t>分工</a:t>
             </a:r>
-            <a:endParaRPr lang="zh-TW" altLang="en-US" dirty="0"/>
+            <a:endParaRPr lang="zh-TW" altLang="en-US" sz="6000" dirty="0">
+              <a:latin typeface="標楷體" panose="03000509000000000000" pitchFamily="65" charset="-120"/>
+              <a:ea typeface="標楷體" panose="03000509000000000000" pitchFamily="65" charset="-120"/>
+            </a:endParaRPr>
           </a:p>
         </p:txBody>
       </p:sp>
@@ -6263,37 +6532,63 @@
         </p:nvSpPr>
         <p:spPr/>
         <p:txBody>
-          <a:bodyPr/>
-          <a:lstStyle/>
-          <a:p>
-            <a:r>
-              <a:rPr lang="zh-TW" altLang="en-US" dirty="0" smtClean="0"/>
+          <a:bodyPr>
+            <a:normAutofit/>
+          </a:bodyPr>
+          <a:lstStyle/>
+          <a:p>
+            <a:r>
+              <a:rPr lang="zh-TW" altLang="en-US" sz="2800" dirty="0" smtClean="0">
+                <a:latin typeface="微軟正黑體" panose="020B0604030504040204" pitchFamily="34" charset="-120"/>
+                <a:ea typeface="微軟正黑體" panose="020B0604030504040204" pitchFamily="34" charset="-120"/>
+              </a:rPr>
               <a:t>美術</a:t>
             </a:r>
             <a:r>
-              <a:rPr lang="en-US" altLang="zh-TW" dirty="0" smtClean="0"/>
+              <a:rPr lang="en-US" altLang="zh-TW" sz="2800" dirty="0" smtClean="0">
+                <a:latin typeface="微軟正黑體" panose="020B0604030504040204" pitchFamily="34" charset="-120"/>
+                <a:ea typeface="微軟正黑體" panose="020B0604030504040204" pitchFamily="34" charset="-120"/>
+              </a:rPr>
               <a:t>:</a:t>
             </a:r>
             <a:r>
-              <a:rPr lang="zh-TW" altLang="en-US" dirty="0" smtClean="0"/>
+              <a:rPr lang="zh-TW" altLang="en-US" sz="2800" dirty="0" smtClean="0">
+                <a:latin typeface="微軟正黑體" panose="020B0604030504040204" pitchFamily="34" charset="-120"/>
+                <a:ea typeface="微軟正黑體" panose="020B0604030504040204" pitchFamily="34" charset="-120"/>
+              </a:rPr>
               <a:t>劉宇凌</a:t>
             </a:r>
-            <a:endParaRPr lang="en-US" altLang="zh-TW" dirty="0" smtClean="0"/>
-          </a:p>
-          <a:p>
-            <a:r>
-              <a:rPr lang="zh-TW" altLang="en-US" dirty="0" smtClean="0"/>
+            <a:endParaRPr lang="en-US" altLang="zh-TW" sz="2800" dirty="0" smtClean="0">
+              <a:latin typeface="微軟正黑體" panose="020B0604030504040204" pitchFamily="34" charset="-120"/>
+              <a:ea typeface="微軟正黑體" panose="020B0604030504040204" pitchFamily="34" charset="-120"/>
+            </a:endParaRPr>
+          </a:p>
+          <a:p>
+            <a:r>
+              <a:rPr lang="zh-TW" altLang="en-US" sz="2800" dirty="0" smtClean="0">
+                <a:latin typeface="微軟正黑體" panose="020B0604030504040204" pitchFamily="34" charset="-120"/>
+                <a:ea typeface="微軟正黑體" panose="020B0604030504040204" pitchFamily="34" charset="-120"/>
+              </a:rPr>
               <a:t>程式架構</a:t>
             </a:r>
             <a:r>
-              <a:rPr lang="en-US" altLang="zh-TW" dirty="0" smtClean="0"/>
+              <a:rPr lang="en-US" altLang="zh-TW" sz="2800" dirty="0" smtClean="0">
+                <a:latin typeface="微軟正黑體" panose="020B0604030504040204" pitchFamily="34" charset="-120"/>
+                <a:ea typeface="微軟正黑體" panose="020B0604030504040204" pitchFamily="34" charset="-120"/>
+              </a:rPr>
               <a:t>:</a:t>
             </a:r>
             <a:r>
-              <a:rPr lang="zh-TW" altLang="en-US" dirty="0" smtClean="0"/>
+              <a:rPr lang="zh-TW" altLang="en-US" sz="2800" dirty="0" smtClean="0">
+                <a:latin typeface="微軟正黑體" panose="020B0604030504040204" pitchFamily="34" charset="-120"/>
+                <a:ea typeface="微軟正黑體" panose="020B0604030504040204" pitchFamily="34" charset="-120"/>
+              </a:rPr>
               <a:t>游世宇</a:t>
             </a:r>
-            <a:endParaRPr lang="zh-TW" altLang="en-US" dirty="0"/>
+            <a:endParaRPr lang="zh-TW" altLang="en-US" sz="2800" dirty="0">
+              <a:latin typeface="微軟正黑體" panose="020B0604030504040204" pitchFamily="34" charset="-120"/>
+              <a:ea typeface="微軟正黑體" panose="020B0604030504040204" pitchFamily="34" charset="-120"/>
+            </a:endParaRPr>
           </a:p>
         </p:txBody>
       </p:sp>
@@ -6307,6 +6602,13 @@
   <p:clrMapOvr>
     <a:masterClrMapping/>
   </p:clrMapOvr>
+  <p:timing>
+    <p:tnLst>
+      <p:par>
+        <p:cTn id="1" dur="indefinite" restart="never" nodeType="tmRoot"/>
+      </p:par>
+    </p:tnLst>
+  </p:timing>
 </p:sld>
 </file>
 

--- a/report.pptx
+++ b/report.pptx
@@ -109,6 +109,23 @@
     </a:lvl9pPr>
   </p:defaultTextStyle>
   <p:extLst>
+    <p:ext uri="{521415D9-36F7-43E2-AB2F-B90AF26B5E84}">
+      <p14:sectionLst xmlns:p14="http://schemas.microsoft.com/office/powerpoint/2010/main">
+        <p14:section name="預設章節" id="{881DBBDB-5055-4778-82C6-DB161574413F}">
+          <p14:sldIdLst>
+            <p14:sldId id="256"/>
+            <p14:sldId id="262"/>
+            <p14:sldId id="260"/>
+            <p14:sldId id="259"/>
+          </p14:sldIdLst>
+        </p14:section>
+        <p14:section name="未命名的章節" id="{EAD2A873-7BA6-4BFC-80C9-326FBED6480A}">
+          <p14:sldIdLst>
+            <p14:sldId id="261"/>
+          </p14:sldIdLst>
+        </p14:section>
+      </p14:sectionLst>
+    </p:ext>
     <p:ext uri="{EFAFB233-063F-42B5-8137-9DF3F51BA10A}">
       <p15:sldGuideLst xmlns:p15="http://schemas.microsoft.com/office/powerpoint/2012/main"/>
     </p:ext>
@@ -6538,14 +6555,14 @@
           <a:lstStyle/>
           <a:p>
             <a:r>
-              <a:rPr lang="zh-TW" altLang="en-US" sz="2800" dirty="0" smtClean="0">
+              <a:rPr lang="zh-TW" altLang="en-US" sz="2800" smtClean="0">
                 <a:latin typeface="微軟正黑體" panose="020B0604030504040204" pitchFamily="34" charset="-120"/>
                 <a:ea typeface="微軟正黑體" panose="020B0604030504040204" pitchFamily="34" charset="-120"/>
               </a:rPr>
-              <a:t>美術</a:t>
-            </a:r>
-            <a:r>
-              <a:rPr lang="en-US" altLang="zh-TW" sz="2800" dirty="0" smtClean="0">
+              <a:t>美術、音效</a:t>
+            </a:r>
+            <a:r>
+              <a:rPr lang="en-US" altLang="zh-TW" sz="2800" smtClean="0">
                 <a:latin typeface="微軟正黑體" panose="020B0604030504040204" pitchFamily="34" charset="-120"/>
                 <a:ea typeface="微軟正黑體" panose="020B0604030504040204" pitchFamily="34" charset="-120"/>
               </a:rPr>
